--- a/DBMS Notes/lec2Notes.pptx
+++ b/DBMS Notes/lec2Notes.pptx
@@ -6489,11 +6489,41 @@
           <a:p>
             <a:r>
               <a:rPr lang="en-US" dirty="0" smtClean="0"/>
-              <a:t>Physical level </a:t>
+              <a:t>Physical level of abstraction </a:t>
+            </a:r>
+            <a:endParaRPr lang="en-US" dirty="0"/>
+          </a:p>
+        </p:txBody>
+      </p:sp>
+      <p:sp>
+        <p:nvSpPr>
+          <p:cNvPr id="5" name="TextBox 4"/>
+          <p:cNvSpPr txBox="1"/>
+          <p:nvPr/>
+        </p:nvSpPr>
+        <p:spPr>
+          <a:xfrm>
+            <a:off x="1302783" y="1917700"/>
+            <a:ext cx="5410200" cy="646331"/>
+          </a:xfrm>
+          <a:prstGeom prst="rect">
+            <a:avLst/>
+          </a:prstGeom>
+          <a:noFill/>
+        </p:spPr>
+        <p:txBody>
+          <a:bodyPr wrap="square" rtlCol="0">
+            <a:spAutoFit/>
+          </a:bodyPr>
+          <a:lstStyle/>
+          <a:p>
+            <a:r>
+              <a:rPr lang="en-US" dirty="0" smtClean="0"/>
+              <a:t>Basically to store data in such a way that it is easy for us to access and fetch </a:t>
             </a:r>
             <a:r>
               <a:rPr lang="en-US" smtClean="0"/>
-              <a:t>of abstraction </a:t>
+              <a:t>data easily.</a:t>
             </a:r>
             <a:endParaRPr lang="en-US"/>
           </a:p>

--- a/DBMS Notes/lec2Notes.pptx
+++ b/DBMS Notes/lec2Notes.pptx
@@ -8,7 +8,9 @@
     <p:sldId id="256" r:id="rId2"/>
     <p:sldId id="259" r:id="rId3"/>
     <p:sldId id="257" r:id="rId4"/>
-    <p:sldId id="258" r:id="rId5"/>
+    <p:sldId id="260" r:id="rId5"/>
+    <p:sldId id="261" r:id="rId6"/>
+    <p:sldId id="258" r:id="rId7"/>
   </p:sldIdLst>
   <p:sldSz cx="7556500" cy="10693400"/>
   <p:notesSz cx="7556500" cy="10693400"/>
@@ -175,7 +177,7 @@
           <a:p>
             <a:fld id="{1D8BD707-D9CF-40AE-B4C6-C98DA3205C09}" type="datetimeFigureOut">
               <a:rPr lang="en-US"/>
-              <a:t>2/21/2024</a:t>
+              <a:t>2/22/2024</a:t>
             </a:fld>
             <a:endParaRPr lang="en-US"/>
           </a:p>
@@ -340,7 +342,7 @@
           <a:p>
             <a:fld id="{1D8BD707-D9CF-40AE-B4C6-C98DA3205C09}" type="datetimeFigureOut">
               <a:rPr lang="en-US"/>
-              <a:t>2/21/2024</a:t>
+              <a:t>2/22/2024</a:t>
             </a:fld>
             <a:endParaRPr lang="en-US"/>
           </a:p>
@@ -548,7 +550,7 @@
           <a:p>
             <a:fld id="{1D8BD707-D9CF-40AE-B4C6-C98DA3205C09}" type="datetimeFigureOut">
               <a:rPr lang="en-US"/>
-              <a:t>2/21/2024</a:t>
+              <a:t>2/22/2024</a:t>
             </a:fld>
             <a:endParaRPr lang="en-US"/>
           </a:p>
@@ -690,7 +692,7 @@
           <a:p>
             <a:fld id="{1D8BD707-D9CF-40AE-B4C6-C98DA3205C09}" type="datetimeFigureOut">
               <a:rPr lang="en-US"/>
-              <a:t>2/21/2024</a:t>
+              <a:t>2/22/2024</a:t>
             </a:fld>
             <a:endParaRPr lang="en-US"/>
           </a:p>
@@ -809,7 +811,7 @@
           <a:p>
             <a:fld id="{1D8BD707-D9CF-40AE-B4C6-C98DA3205C09}" type="datetimeFigureOut">
               <a:rPr lang="en-US"/>
-              <a:t>2/21/2024</a:t>
+              <a:t>2/22/2024</a:t>
             </a:fld>
             <a:endParaRPr lang="en-US"/>
           </a:p>
@@ -1044,7 +1046,7 @@
           <a:p>
             <a:fld id="{1D8BD707-D9CF-40AE-B4C6-C98DA3205C09}" type="datetimeFigureOut">
               <a:rPr lang="en-US"/>
-              <a:t>2/21/2024</a:t>
+              <a:t>2/22/2024</a:t>
             </a:fld>
             <a:endParaRPr lang="en-US"/>
           </a:p>
@@ -6519,13 +6521,9 @@
           <a:p>
             <a:r>
               <a:rPr lang="en-US" dirty="0" smtClean="0"/>
-              <a:t>Basically to store data in such a way that it is easy for us to access and fetch </a:t>
-            </a:r>
-            <a:r>
-              <a:rPr lang="en-US" smtClean="0"/>
-              <a:t>data easily.</a:t>
-            </a:r>
-            <a:endParaRPr lang="en-US"/>
+              <a:t>Basically to store data in such a way that it is easy for us to access and fetch data easily.</a:t>
+            </a:r>
+            <a:endParaRPr lang="en-US" dirty="0"/>
           </a:p>
         </p:txBody>
       </p:sp>
@@ -9202,7 +9200,7 @@
         <p:spPr>
           <a:xfrm>
             <a:off x="1130001" y="4215375"/>
-            <a:ext cx="5375275" cy="5450840"/>
+            <a:ext cx="5375275" cy="5727465"/>
           </a:xfrm>
           <a:prstGeom prst="rect">
             <a:avLst/>
@@ -10178,9 +10176,49 @@
                 <a:latin typeface="Trebuchet MS"/>
                 <a:cs typeface="Trebuchet MS"/>
               </a:rPr>
-              <a:t>programs?</a:t>
+              <a:t>programs</a:t>
+            </a:r>
+            <a:r>
+              <a:rPr sz="1100" b="1" spc="-10" dirty="0" smtClean="0">
+                <a:latin typeface="Trebuchet MS"/>
+                <a:cs typeface="Trebuchet MS"/>
+              </a:rPr>
+              <a:t>?</a:t>
+            </a:r>
+            <a:r>
+              <a:rPr lang="en-US" sz="1100" b="1" spc="-10" dirty="0" smtClean="0">
+                <a:latin typeface="Trebuchet MS"/>
+                <a:cs typeface="Trebuchet MS"/>
+              </a:rPr>
+              <a:t>      </a:t>
+            </a:r>
+          </a:p>
+          <a:p>
+            <a:pPr marL="12700">
+              <a:lnSpc>
+                <a:spcPct val="100000"/>
+              </a:lnSpc>
+              <a:spcBef>
+                <a:spcPts val="70"/>
+              </a:spcBef>
+              <a:tabLst>
+                <a:tab pos="241300" algn="l"/>
+              </a:tabLst>
+            </a:pPr>
+            <a:r>
+              <a:rPr lang="en-US" sz="1100" b="1" spc="-10" dirty="0" smtClean="0">
+                <a:solidFill>
+                  <a:srgbClr val="FF0000"/>
+                </a:solidFill>
+                <a:latin typeface="Trebuchet MS"/>
+                <a:cs typeface="Trebuchet MS"/>
+              </a:rPr>
+              <a:t>		(Communication between Host (API) to DB    - interface)</a:t>
             </a:r>
             <a:endParaRPr sz="1100" dirty="0">
+              <a:solidFill>
+                <a:srgbClr val="FF0000"/>
+              </a:solidFill>
               <a:latin typeface="Trebuchet MS"/>
               <a:cs typeface="Trebuchet MS"/>
             </a:endParaRPr>
@@ -10797,6 +10835,9 @@
             </a:r>
             <a:r>
               <a:rPr sz="1100" b="1" spc="-130" dirty="0">
+                <a:solidFill>
+                  <a:srgbClr val="00B0F0"/>
+                </a:solidFill>
                 <a:latin typeface="Trebuchet MS"/>
                 <a:cs typeface="Trebuchet MS"/>
               </a:rPr>
@@ -10835,7 +10876,28 @@
                 <a:latin typeface="Trebuchet MS"/>
                 <a:cs typeface="Trebuchet MS"/>
               </a:rPr>
-              <a:t>“C”.</a:t>
+              <a:t>“C</a:t>
+            </a:r>
+            <a:r>
+              <a:rPr sz="1100" spc="-20" dirty="0" smtClean="0">
+                <a:latin typeface="Trebuchet MS"/>
+                <a:cs typeface="Trebuchet MS"/>
+              </a:rPr>
+              <a:t>”</a:t>
+            </a:r>
+            <a:r>
+              <a:rPr lang="en-US" sz="1100" spc="-20" dirty="0" smtClean="0">
+                <a:latin typeface="Trebuchet MS"/>
+                <a:cs typeface="Trebuchet MS"/>
+              </a:rPr>
+              <a:t> and C++</a:t>
+            </a:r>
+            <a:r>
+              <a:rPr sz="1100" spc="-20" dirty="0" smtClean="0">
+                <a:latin typeface="Trebuchet MS"/>
+                <a:cs typeface="Trebuchet MS"/>
+              </a:rPr>
+              <a:t>.</a:t>
             </a:r>
             <a:endParaRPr sz="1100" dirty="0">
               <a:latin typeface="Trebuchet MS"/>
@@ -10906,6 +10968,9 @@
             </a:r>
             <a:r>
               <a:rPr sz="1100" b="1" spc="-150" dirty="0">
+                <a:solidFill>
+                  <a:srgbClr val="FF0000"/>
+                </a:solidFill>
                 <a:latin typeface="Trebuchet MS"/>
                 <a:cs typeface="Trebuchet MS"/>
               </a:rPr>
@@ -11061,6 +11126,9 @@
             </a:r>
             <a:r>
               <a:rPr sz="1100" b="1" spc="-140" dirty="0">
+                <a:solidFill>
+                  <a:srgbClr val="FF0000"/>
+                </a:solidFill>
                 <a:latin typeface="Trebuchet MS"/>
                 <a:cs typeface="Trebuchet MS"/>
               </a:rPr>
@@ -11068,6 +11136,9 @@
             </a:r>
             <a:r>
               <a:rPr sz="1100" b="1" spc="-85" dirty="0">
+                <a:solidFill>
+                  <a:srgbClr val="FF0000"/>
+                </a:solidFill>
                 <a:latin typeface="Trebuchet MS"/>
                 <a:cs typeface="Trebuchet MS"/>
               </a:rPr>
@@ -11075,6 +11146,9 @@
             </a:r>
             <a:r>
               <a:rPr sz="1100" b="1" spc="-130" dirty="0">
+                <a:solidFill>
+                  <a:srgbClr val="FF0000"/>
+                </a:solidFill>
                 <a:latin typeface="Trebuchet MS"/>
                 <a:cs typeface="Trebuchet MS"/>
               </a:rPr>
@@ -11082,6 +11156,9 @@
             </a:r>
             <a:r>
               <a:rPr sz="1100" b="1" spc="-80" dirty="0">
+                <a:solidFill>
+                  <a:srgbClr val="FF0000"/>
+                </a:solidFill>
                 <a:latin typeface="Trebuchet MS"/>
                 <a:cs typeface="Trebuchet MS"/>
               </a:rPr>
@@ -12127,6 +12204,365 @@
 </file>
 
 <file path=ppt/slides/slide4.xml><?xml version="1.0" encoding="utf-8"?>
+<p:sld xmlns:a="http://schemas.openxmlformats.org/drawingml/2006/main" xmlns:r="http://schemas.openxmlformats.org/officeDocument/2006/relationships" xmlns:p="http://schemas.openxmlformats.org/presentationml/2006/main">
+  <p:cSld>
+    <p:spTree>
+      <p:nvGrpSpPr>
+        <p:cNvPr id="1" name=""/>
+        <p:cNvGrpSpPr/>
+        <p:nvPr/>
+      </p:nvGrpSpPr>
+      <p:grpSpPr>
+        <a:xfrm>
+          <a:off x="0" y="0"/>
+          <a:ext cx="0" cy="0"/>
+          <a:chOff x="0" y="0"/>
+          <a:chExt cx="0" cy="0"/>
+        </a:xfrm>
+      </p:grpSpPr>
+      <p:pic>
+        <p:nvPicPr>
+          <p:cNvPr id="1028" name="Picture 4" descr="SQL Commands: DDL, DML, DCL, &amp; TCL | K21Academy"/>
+          <p:cNvPicPr>
+            <a:picLocks noChangeAspect="1" noChangeArrowheads="1"/>
+          </p:cNvPicPr>
+          <p:nvPr/>
+        </p:nvPicPr>
+        <p:blipFill>
+          <a:blip r:embed="rId2">
+            <a:extLst>
+              <a:ext uri="{28A0092B-C50C-407E-A947-70E740481C1C}">
+                <a14:useLocalDpi xmlns:a14="http://schemas.microsoft.com/office/drawing/2010/main" val="0"/>
+              </a:ext>
+            </a:extLst>
+          </a:blip>
+          <a:srcRect/>
+          <a:stretch>
+            <a:fillRect/>
+          </a:stretch>
+        </p:blipFill>
+        <p:spPr bwMode="auto">
+          <a:xfrm>
+            <a:off x="1081087" y="241300"/>
+            <a:ext cx="5356225" cy="5084230"/>
+          </a:xfrm>
+          <a:prstGeom prst="rect">
+            <a:avLst/>
+          </a:prstGeom>
+          <a:noFill/>
+          <a:extLst>
+            <a:ext uri="{909E8E84-426E-40DD-AFC4-6F175D3DCCD1}">
+              <a14:hiddenFill xmlns:a14="http://schemas.microsoft.com/office/drawing/2010/main">
+                <a:solidFill>
+                  <a:srgbClr val="FFFFFF"/>
+                </a:solidFill>
+              </a14:hiddenFill>
+            </a:ext>
+          </a:extLst>
+        </p:spPr>
+      </p:pic>
+      <p:pic>
+        <p:nvPicPr>
+          <p:cNvPr id="5" name="Picture 2" descr="SQL Commands: DDL, DML, DCL, TCL, DQL - javatpoint"/>
+          <p:cNvPicPr>
+            <a:picLocks noChangeAspect="1" noChangeArrowheads="1"/>
+          </p:cNvPicPr>
+          <p:nvPr/>
+        </p:nvPicPr>
+        <p:blipFill>
+          <a:blip r:embed="rId3">
+            <a:extLst>
+              <a:ext uri="{28A0092B-C50C-407E-A947-70E740481C1C}">
+                <a14:useLocalDpi xmlns:a14="http://schemas.microsoft.com/office/drawing/2010/main" val="0"/>
+              </a:ext>
+            </a:extLst>
+          </a:blip>
+          <a:srcRect/>
+          <a:stretch>
+            <a:fillRect/>
+          </a:stretch>
+        </p:blipFill>
+        <p:spPr bwMode="auto">
+          <a:xfrm>
+            <a:off x="958850" y="5221184"/>
+            <a:ext cx="5981700" cy="3962401"/>
+          </a:xfrm>
+          <a:prstGeom prst="rect">
+            <a:avLst/>
+          </a:prstGeom>
+          <a:noFill/>
+          <a:extLst>
+            <a:ext uri="{909E8E84-426E-40DD-AFC4-6F175D3DCCD1}">
+              <a14:hiddenFill xmlns:a14="http://schemas.microsoft.com/office/drawing/2010/main">
+                <a:solidFill>
+                  <a:srgbClr val="FFFFFF"/>
+                </a:solidFill>
+              </a14:hiddenFill>
+            </a:ext>
+          </a:extLst>
+        </p:spPr>
+      </p:pic>
+      <p:sp>
+        <p:nvSpPr>
+          <p:cNvPr id="3" name="TextBox 2"/>
+          <p:cNvSpPr txBox="1"/>
+          <p:nvPr/>
+        </p:nvSpPr>
+        <p:spPr>
+          <a:xfrm>
+            <a:off x="1492250" y="622300"/>
+            <a:ext cx="1371600" cy="369332"/>
+          </a:xfrm>
+          <a:prstGeom prst="rect">
+            <a:avLst/>
+          </a:prstGeom>
+          <a:noFill/>
+        </p:spPr>
+        <p:txBody>
+          <a:bodyPr wrap="square" rtlCol="0">
+            <a:spAutoFit/>
+          </a:bodyPr>
+          <a:lstStyle/>
+          <a:p>
+            <a:r>
+              <a:rPr lang="en-US" dirty="0" err="1" smtClean="0"/>
+              <a:t>Eg</a:t>
+            </a:r>
+            <a:r>
+              <a:rPr lang="en-US" dirty="0" smtClean="0"/>
+              <a:t> : SQL</a:t>
+            </a:r>
+            <a:endParaRPr lang="en-US" dirty="0"/>
+          </a:p>
+        </p:txBody>
+      </p:sp>
+      <p:sp>
+        <p:nvSpPr>
+          <p:cNvPr id="2" name="TextBox 1"/>
+          <p:cNvSpPr txBox="1"/>
+          <p:nvPr/>
+        </p:nvSpPr>
+        <p:spPr>
+          <a:xfrm>
+            <a:off x="1416050" y="4851853"/>
+            <a:ext cx="5524500" cy="1815882"/>
+          </a:xfrm>
+          <a:prstGeom prst="rect">
+            <a:avLst/>
+          </a:prstGeom>
+          <a:noFill/>
+        </p:spPr>
+        <p:txBody>
+          <a:bodyPr wrap="square" rtlCol="0">
+            <a:spAutoFit/>
+          </a:bodyPr>
+          <a:lstStyle/>
+          <a:p>
+            <a:r>
+              <a:rPr lang="en-US" sz="1400" dirty="0" smtClean="0">
+                <a:solidFill>
+                  <a:srgbClr val="FF0000"/>
+                </a:solidFill>
+              </a:rPr>
+              <a:t>Define            Manipulated         </a:t>
+            </a:r>
+          </a:p>
+          <a:p>
+            <a:endParaRPr lang="en-US" sz="1400" dirty="0">
+              <a:solidFill>
+                <a:srgbClr val="FF0000"/>
+              </a:solidFill>
+            </a:endParaRPr>
+          </a:p>
+          <a:p>
+            <a:endParaRPr lang="en-US" sz="1400" dirty="0" smtClean="0">
+              <a:solidFill>
+                <a:srgbClr val="FF0000"/>
+              </a:solidFill>
+            </a:endParaRPr>
+          </a:p>
+          <a:p>
+            <a:endParaRPr lang="en-US" sz="1400" dirty="0">
+              <a:solidFill>
+                <a:srgbClr val="FF0000"/>
+              </a:solidFill>
+            </a:endParaRPr>
+          </a:p>
+          <a:p>
+            <a:r>
+              <a:rPr lang="en-US" sz="1400" dirty="0" smtClean="0">
+                <a:solidFill>
+                  <a:srgbClr val="FF0000"/>
+                </a:solidFill>
+              </a:rPr>
+              <a:t>			                        </a:t>
+            </a:r>
+          </a:p>
+          <a:p>
+            <a:r>
+              <a:rPr lang="en-US" sz="1400" dirty="0" smtClean="0">
+                <a:solidFill>
+                  <a:srgbClr val="FF0000"/>
+                </a:solidFill>
+              </a:rPr>
+              <a:t>					Query		</a:t>
+            </a:r>
+          </a:p>
+          <a:p>
+            <a:r>
+              <a:rPr lang="en-US" sz="1400" dirty="0">
+                <a:solidFill>
+                  <a:srgbClr val="FF0000"/>
+                </a:solidFill>
+              </a:rPr>
+              <a:t>	</a:t>
+            </a:r>
+            <a:r>
+              <a:rPr lang="en-US" sz="1400" dirty="0" smtClean="0">
+                <a:solidFill>
+                  <a:srgbClr val="FF0000"/>
+                </a:solidFill>
+              </a:rPr>
+              <a:t>			     </a:t>
+            </a:r>
+            <a:endParaRPr lang="en-US" sz="1400" dirty="0">
+              <a:solidFill>
+                <a:srgbClr val="FF0000"/>
+              </a:solidFill>
+            </a:endParaRPr>
+          </a:p>
+        </p:txBody>
+      </p:sp>
+    </p:spTree>
+    <p:extLst>
+      <p:ext uri="{BB962C8B-B14F-4D97-AF65-F5344CB8AC3E}">
+        <p14:creationId xmlns:p14="http://schemas.microsoft.com/office/powerpoint/2010/main" val="3282009413"/>
+      </p:ext>
+    </p:extLst>
+  </p:cSld>
+  <p:clrMapOvr>
+    <a:masterClrMapping/>
+  </p:clrMapOvr>
+</p:sld>
+</file>
+
+<file path=ppt/slides/slide5.xml><?xml version="1.0" encoding="utf-8"?>
+<p:sld xmlns:a="http://schemas.openxmlformats.org/drawingml/2006/main" xmlns:r="http://schemas.openxmlformats.org/officeDocument/2006/relationships" xmlns:p="http://schemas.openxmlformats.org/presentationml/2006/main">
+  <p:cSld>
+    <p:spTree>
+      <p:nvGrpSpPr>
+        <p:cNvPr id="1" name=""/>
+        <p:cNvGrpSpPr/>
+        <p:nvPr/>
+      </p:nvGrpSpPr>
+      <p:grpSpPr>
+        <a:xfrm>
+          <a:off x="0" y="0"/>
+          <a:ext cx="0" cy="0"/>
+          <a:chOff x="0" y="0"/>
+          <a:chExt cx="0" cy="0"/>
+        </a:xfrm>
+      </p:grpSpPr>
+      <p:pic>
+        <p:nvPicPr>
+          <p:cNvPr id="2" name="Picture 1"/>
+          <p:cNvPicPr>
+            <a:picLocks noChangeAspect="1"/>
+          </p:cNvPicPr>
+          <p:nvPr/>
+        </p:nvPicPr>
+        <p:blipFill>
+          <a:blip r:embed="rId2"/>
+          <a:stretch>
+            <a:fillRect/>
+          </a:stretch>
+        </p:blipFill>
+        <p:spPr>
+          <a:xfrm>
+            <a:off x="8164" y="2222500"/>
+            <a:ext cx="7548336" cy="3487522"/>
+          </a:xfrm>
+          <a:prstGeom prst="rect">
+            <a:avLst/>
+          </a:prstGeom>
+        </p:spPr>
+      </p:pic>
+      <p:sp>
+        <p:nvSpPr>
+          <p:cNvPr id="3" name="TextBox 2"/>
+          <p:cNvSpPr txBox="1"/>
+          <p:nvPr/>
+        </p:nvSpPr>
+        <p:spPr>
+          <a:xfrm>
+            <a:off x="577850" y="6337300"/>
+            <a:ext cx="6553200" cy="1754326"/>
+          </a:xfrm>
+          <a:prstGeom prst="rect">
+            <a:avLst/>
+          </a:prstGeom>
+          <a:noFill/>
+        </p:spPr>
+        <p:txBody>
+          <a:bodyPr wrap="square" rtlCol="0">
+            <a:spAutoFit/>
+          </a:bodyPr>
+          <a:lstStyle/>
+          <a:p>
+            <a:r>
+              <a:rPr lang="en-US" dirty="0" smtClean="0"/>
+              <a:t>T1 architecture:</a:t>
+            </a:r>
+          </a:p>
+          <a:p>
+            <a:r>
+              <a:rPr lang="en-US" dirty="0" smtClean="0"/>
+              <a:t>Simplest example when we install </a:t>
+            </a:r>
+            <a:r>
+              <a:rPr lang="en-US" dirty="0" err="1" smtClean="0"/>
+              <a:t>mysql</a:t>
+            </a:r>
+            <a:r>
+              <a:rPr lang="en-US" dirty="0" smtClean="0"/>
+              <a:t> on our local machine then in this </a:t>
+            </a:r>
+          </a:p>
+          <a:p>
+            <a:r>
+              <a:rPr lang="en-US" dirty="0" smtClean="0"/>
+              <a:t>User that is you are also on the same PC</a:t>
+            </a:r>
+          </a:p>
+          <a:p>
+            <a:r>
+              <a:rPr lang="en-US" dirty="0" smtClean="0"/>
+              <a:t>MYSQL SERVE is also on the same PC</a:t>
+            </a:r>
+          </a:p>
+          <a:p>
+            <a:r>
+              <a:rPr lang="en-US" dirty="0" smtClean="0"/>
+              <a:t>DB files are also on the same PC </a:t>
+            </a:r>
+            <a:endParaRPr lang="en-US" dirty="0"/>
+          </a:p>
+        </p:txBody>
+      </p:sp>
+    </p:spTree>
+    <p:extLst>
+      <p:ext uri="{BB962C8B-B14F-4D97-AF65-F5344CB8AC3E}">
+        <p14:creationId xmlns:p14="http://schemas.microsoft.com/office/powerpoint/2010/main" val="493507876"/>
+      </p:ext>
+    </p:extLst>
+  </p:cSld>
+  <p:clrMapOvr>
+    <a:masterClrMapping/>
+  </p:clrMapOvr>
+</p:sld>
+</file>
+
+<file path=ppt/slides/slide6.xml><?xml version="1.0" encoding="utf-8"?>
 <p:sld xmlns:a="http://schemas.openxmlformats.org/drawingml/2006/main" xmlns:r="http://schemas.openxmlformats.org/officeDocument/2006/relationships" xmlns:p="http://schemas.openxmlformats.org/presentationml/2006/main">
   <p:cSld>
     <p:spTree>
@@ -12363,7 +12799,7 @@
               </a:rPr>
               <a:t>components.</a:t>
             </a:r>
-            <a:endParaRPr sz="1100">
+            <a:endParaRPr sz="1100" dirty="0">
               <a:latin typeface="Trebuchet MS"/>
               <a:cs typeface="Trebuchet MS"/>
             </a:endParaRPr>
@@ -12556,7 +12992,7 @@
               </a:rPr>
               <a:t>statements.</a:t>
             </a:r>
-            <a:endParaRPr sz="1100">
+            <a:endParaRPr sz="1100" dirty="0">
               <a:latin typeface="Trebuchet MS"/>
               <a:cs typeface="Trebuchet MS"/>
             </a:endParaRPr>
@@ -12752,7 +13188,7 @@
               </a:rPr>
               <a:t>server.</a:t>
             </a:r>
-            <a:endParaRPr sz="1100">
+            <a:endParaRPr sz="1100" dirty="0">
               <a:latin typeface="Trebuchet MS"/>
               <a:cs typeface="Trebuchet MS"/>
             </a:endParaRPr>
@@ -14281,6 +14717,113 @@
           </a:prstGeom>
         </p:spPr>
       </p:pic>
+      <p:sp>
+        <p:nvSpPr>
+          <p:cNvPr id="7" name="TextBox 6"/>
+          <p:cNvSpPr txBox="1"/>
+          <p:nvPr/>
+        </p:nvSpPr>
+        <p:spPr>
+          <a:xfrm>
+            <a:off x="958850" y="4127500"/>
+            <a:ext cx="1371600" cy="1815882"/>
+          </a:xfrm>
+          <a:prstGeom prst="rect">
+            <a:avLst/>
+          </a:prstGeom>
+          <a:noFill/>
+        </p:spPr>
+        <p:txBody>
+          <a:bodyPr wrap="square" rtlCol="0">
+            <a:spAutoFit/>
+          </a:bodyPr>
+          <a:lstStyle/>
+          <a:p>
+            <a:r>
+              <a:rPr lang="en-US" sz="1600" dirty="0" smtClean="0"/>
+              <a:t>SQL Queries </a:t>
+            </a:r>
+          </a:p>
+          <a:p>
+            <a:endParaRPr lang="en-US" sz="1600" dirty="0"/>
+          </a:p>
+          <a:p>
+            <a:endParaRPr lang="en-US" sz="1600" dirty="0" smtClean="0"/>
+          </a:p>
+          <a:p>
+            <a:endParaRPr lang="en-US" sz="1600" dirty="0"/>
+          </a:p>
+          <a:p>
+            <a:endParaRPr lang="en-US" sz="1600" dirty="0" smtClean="0"/>
+          </a:p>
+          <a:p>
+            <a:r>
+              <a:rPr lang="en-US" sz="1600" dirty="0" smtClean="0"/>
+              <a:t>DB</a:t>
+            </a:r>
+          </a:p>
+          <a:p>
+            <a:endParaRPr lang="en-US" sz="1600" dirty="0"/>
+          </a:p>
+        </p:txBody>
+      </p:sp>
+      <p:sp>
+        <p:nvSpPr>
+          <p:cNvPr id="8" name="TextBox 7"/>
+          <p:cNvSpPr txBox="1"/>
+          <p:nvPr/>
+        </p:nvSpPr>
+        <p:spPr>
+          <a:xfrm>
+            <a:off x="6226063" y="4115179"/>
+            <a:ext cx="1371600" cy="2308324"/>
+          </a:xfrm>
+          <a:prstGeom prst="rect">
+            <a:avLst/>
+          </a:prstGeom>
+          <a:noFill/>
+        </p:spPr>
+        <p:txBody>
+          <a:bodyPr wrap="square" rtlCol="0">
+            <a:spAutoFit/>
+          </a:bodyPr>
+          <a:lstStyle/>
+          <a:p>
+            <a:r>
+              <a:rPr lang="en-US" dirty="0" smtClean="0"/>
+              <a:t>Web-app</a:t>
+            </a:r>
+          </a:p>
+          <a:p>
+            <a:endParaRPr lang="en-US" dirty="0" smtClean="0"/>
+          </a:p>
+          <a:p>
+            <a:endParaRPr lang="en-US" dirty="0"/>
+          </a:p>
+          <a:p>
+            <a:r>
+              <a:rPr lang="en-US" dirty="0" smtClean="0"/>
+              <a:t>API</a:t>
+            </a:r>
+            <a:endParaRPr lang="en-US" dirty="0"/>
+          </a:p>
+          <a:p>
+            <a:endParaRPr lang="en-US" dirty="0"/>
+          </a:p>
+          <a:p>
+            <a:endParaRPr lang="en-US" dirty="0" smtClean="0"/>
+          </a:p>
+          <a:p>
+            <a:r>
+              <a:rPr lang="en-US" dirty="0" smtClean="0"/>
+              <a:t>DB</a:t>
+            </a:r>
+          </a:p>
+          <a:p>
+            <a:endParaRPr lang="en-US" dirty="0"/>
+          </a:p>
+        </p:txBody>
+      </p:sp>
     </p:spTree>
   </p:cSld>
   <p:clrMapOvr>
